--- a/_umkc-teaching/slides/Lecture12.pptx
+++ b/_umkc-teaching/slides/Lecture12.pptx
@@ -5,7 +5,7 @@
     <p:sldMasterId id="2147483660" r:id="rId1"/>
   </p:sldMasterIdLst>
   <p:notesMasterIdLst>
-    <p:notesMasterId r:id="rId19"/>
+    <p:notesMasterId r:id="rId20"/>
   </p:notesMasterIdLst>
   <p:sldIdLst>
     <p:sldId id="257" r:id="rId2"/>
@@ -24,7 +24,8 @@
     <p:sldId id="448" r:id="rId15"/>
     <p:sldId id="449" r:id="rId16"/>
     <p:sldId id="450" r:id="rId17"/>
-    <p:sldId id="451" r:id="rId18"/>
+    <p:sldId id="452" r:id="rId18"/>
+    <p:sldId id="451" r:id="rId19"/>
   </p:sldIdLst>
   <p:sldSz cx="12192000" cy="6858000"/>
   <p:notesSz cx="6858000" cy="9144000"/>
@@ -213,7 +214,7 @@
           <a:p>
             <a:fld id="{7AF9442D-9D7C-40D7-A5A3-649EA8C158D2}" type="datetimeFigureOut">
               <a:rPr lang="en-US" smtClean="0"/>
-              <a:t>11/1/23</a:t>
+              <a:t>11/5/23</a:t>
             </a:fld>
             <a:endParaRPr lang="en-US"/>
           </a:p>
@@ -1182,6 +1183,95 @@
     </p:spTree>
     <p:extLst>
       <p:ext uri="{BB962C8B-B14F-4D97-AF65-F5344CB8AC3E}">
+        <p14:creationId xmlns:p14="http://schemas.microsoft.com/office/powerpoint/2010/main" val="2493676159"/>
+      </p:ext>
+    </p:extLst>
+  </p:cSld>
+  <p:clrMapOvr>
+    <a:masterClrMapping/>
+  </p:clrMapOvr>
+</p:notes>
+</file>
+
+<file path=ppt/notesSlides/notesSlide17.xml><?xml version="1.0" encoding="utf-8"?>
+<p:notes xmlns:a="http://schemas.openxmlformats.org/drawingml/2006/main" xmlns:r="http://schemas.openxmlformats.org/officeDocument/2006/relationships" xmlns:p="http://schemas.openxmlformats.org/presentationml/2006/main">
+  <p:cSld>
+    <p:spTree>
+      <p:nvGrpSpPr>
+        <p:cNvPr id="1" name=""/>
+        <p:cNvGrpSpPr/>
+        <p:nvPr/>
+      </p:nvGrpSpPr>
+      <p:grpSpPr>
+        <a:xfrm>
+          <a:off x="0" y="0"/>
+          <a:ext cx="0" cy="0"/>
+          <a:chOff x="0" y="0"/>
+          <a:chExt cx="0" cy="0"/>
+        </a:xfrm>
+      </p:grpSpPr>
+      <p:sp>
+        <p:nvSpPr>
+          <p:cNvPr id="2" name="Slide Image Placeholder 1"/>
+          <p:cNvSpPr>
+            <a:spLocks noGrp="1" noRot="1" noChangeAspect="1"/>
+          </p:cNvSpPr>
+          <p:nvPr>
+            <p:ph type="sldImg"/>
+          </p:nvPr>
+        </p:nvSpPr>
+        <p:spPr>
+          <a:xfrm>
+            <a:off x="685800" y="1143000"/>
+            <a:ext cx="5486400" cy="3086100"/>
+          </a:xfrm>
+        </p:spPr>
+      </p:sp>
+      <p:sp>
+        <p:nvSpPr>
+          <p:cNvPr id="3" name="Notes Placeholder 2"/>
+          <p:cNvSpPr>
+            <a:spLocks noGrp="1"/>
+          </p:cNvSpPr>
+          <p:nvPr>
+            <p:ph type="body" idx="1"/>
+          </p:nvPr>
+        </p:nvSpPr>
+        <p:spPr/>
+        <p:txBody>
+          <a:bodyPr/>
+          <a:lstStyle/>
+          <a:p>
+            <a:endParaRPr lang="en-US" dirty="0"/>
+          </a:p>
+        </p:txBody>
+      </p:sp>
+      <p:sp>
+        <p:nvSpPr>
+          <p:cNvPr id="4" name="Slide Number Placeholder 3"/>
+          <p:cNvSpPr>
+            <a:spLocks noGrp="1"/>
+          </p:cNvSpPr>
+          <p:nvPr>
+            <p:ph type="sldNum" sz="quarter" idx="5"/>
+          </p:nvPr>
+        </p:nvSpPr>
+        <p:spPr/>
+        <p:txBody>
+          <a:bodyPr/>
+          <a:lstStyle/>
+          <a:p>
+            <a:fld id="{3F8BDF20-BE86-4883-8A23-4CE3D0058BEA}" type="slidenum">
+              <a:rPr lang="en-US" smtClean="0"/>
+              <a:t>18</a:t>
+            </a:fld>
+            <a:endParaRPr lang="en-US"/>
+          </a:p>
+        </p:txBody>
+      </p:sp>
+    </p:spTree>
+    <p:extLst>
+      <p:ext uri="{BB962C8B-B14F-4D97-AF65-F5344CB8AC3E}">
         <p14:creationId xmlns:p14="http://schemas.microsoft.com/office/powerpoint/2010/main" val="2888141354"/>
       </p:ext>
     </p:extLst>
@@ -2035,7 +2125,7 @@
           <a:p>
             <a:fld id="{41748473-9145-41F0-ADB9-654A949CD218}" type="datetimeFigureOut">
               <a:rPr lang="en-US" smtClean="0"/>
-              <a:t>11/1/23</a:t>
+              <a:t>11/5/23</a:t>
             </a:fld>
             <a:endParaRPr lang="en-US"/>
           </a:p>
@@ -2205,7 +2295,7 @@
           <a:p>
             <a:fld id="{41748473-9145-41F0-ADB9-654A949CD218}" type="datetimeFigureOut">
               <a:rPr lang="en-US" smtClean="0"/>
-              <a:t>11/1/23</a:t>
+              <a:t>11/5/23</a:t>
             </a:fld>
             <a:endParaRPr lang="en-US"/>
           </a:p>
@@ -2385,7 +2475,7 @@
           <a:p>
             <a:fld id="{41748473-9145-41F0-ADB9-654A949CD218}" type="datetimeFigureOut">
               <a:rPr lang="en-US" smtClean="0"/>
-              <a:t>11/1/23</a:t>
+              <a:t>11/5/23</a:t>
             </a:fld>
             <a:endParaRPr lang="en-US"/>
           </a:p>
@@ -2555,7 +2645,7 @@
           <a:p>
             <a:fld id="{41748473-9145-41F0-ADB9-654A949CD218}" type="datetimeFigureOut">
               <a:rPr lang="en-US" smtClean="0"/>
-              <a:t>11/1/23</a:t>
+              <a:t>11/5/23</a:t>
             </a:fld>
             <a:endParaRPr lang="en-US"/>
           </a:p>
@@ -2801,7 +2891,7 @@
           <a:p>
             <a:fld id="{41748473-9145-41F0-ADB9-654A949CD218}" type="datetimeFigureOut">
               <a:rPr lang="en-US" smtClean="0"/>
-              <a:t>11/1/23</a:t>
+              <a:t>11/5/23</a:t>
             </a:fld>
             <a:endParaRPr lang="en-US"/>
           </a:p>
@@ -3033,7 +3123,7 @@
           <a:p>
             <a:fld id="{41748473-9145-41F0-ADB9-654A949CD218}" type="datetimeFigureOut">
               <a:rPr lang="en-US" smtClean="0"/>
-              <a:t>11/1/23</a:t>
+              <a:t>11/5/23</a:t>
             </a:fld>
             <a:endParaRPr lang="en-US"/>
           </a:p>
@@ -3400,7 +3490,7 @@
           <a:p>
             <a:fld id="{41748473-9145-41F0-ADB9-654A949CD218}" type="datetimeFigureOut">
               <a:rPr lang="en-US" smtClean="0"/>
-              <a:t>11/1/23</a:t>
+              <a:t>11/5/23</a:t>
             </a:fld>
             <a:endParaRPr lang="en-US"/>
           </a:p>
@@ -3518,7 +3608,7 @@
           <a:p>
             <a:fld id="{41748473-9145-41F0-ADB9-654A949CD218}" type="datetimeFigureOut">
               <a:rPr lang="en-US" smtClean="0"/>
-              <a:t>11/1/23</a:t>
+              <a:t>11/5/23</a:t>
             </a:fld>
             <a:endParaRPr lang="en-US"/>
           </a:p>
@@ -3613,7 +3703,7 @@
           <a:p>
             <a:fld id="{41748473-9145-41F0-ADB9-654A949CD218}" type="datetimeFigureOut">
               <a:rPr lang="en-US" smtClean="0"/>
-              <a:t>11/1/23</a:t>
+              <a:t>11/5/23</a:t>
             </a:fld>
             <a:endParaRPr lang="en-US"/>
           </a:p>
@@ -3890,7 +3980,7 @@
           <a:p>
             <a:fld id="{41748473-9145-41F0-ADB9-654A949CD218}" type="datetimeFigureOut">
               <a:rPr lang="en-US" smtClean="0"/>
-              <a:t>11/1/23</a:t>
+              <a:t>11/5/23</a:t>
             </a:fld>
             <a:endParaRPr lang="en-US"/>
           </a:p>
@@ -4147,7 +4237,7 @@
           <a:p>
             <a:fld id="{41748473-9145-41F0-ADB9-654A949CD218}" type="datetimeFigureOut">
               <a:rPr lang="en-US" smtClean="0"/>
-              <a:t>11/1/23</a:t>
+              <a:t>11/5/23</a:t>
             </a:fld>
             <a:endParaRPr lang="en-US"/>
           </a:p>
@@ -4360,7 +4450,7 @@
           <a:p>
             <a:fld id="{41748473-9145-41F0-ADB9-654A949CD218}" type="datetimeFigureOut">
               <a:rPr lang="en-US" smtClean="0"/>
-              <a:t>11/1/23</a:t>
+              <a:t>11/5/23</a:t>
             </a:fld>
             <a:endParaRPr lang="en-US"/>
           </a:p>
@@ -6322,6 +6412,262 @@
           <a:p>
             <a:r>
               <a:rPr lang="en-US" dirty="0"/>
+              <a:t>Hierarchical Clustering</a:t>
+            </a:r>
+          </a:p>
+        </p:txBody>
+      </p:sp>
+      <p:sp>
+        <p:nvSpPr>
+          <p:cNvPr id="8" name="TextBox 7">
+            <a:extLst>
+              <a:ext uri="{FF2B5EF4-FFF2-40B4-BE49-F238E27FC236}">
+                <a16:creationId xmlns:a16="http://schemas.microsoft.com/office/drawing/2014/main" id="{FED859EA-0173-EF06-B50F-912C04526B8E}"/>
+              </a:ext>
+            </a:extLst>
+          </p:cNvPr>
+          <p:cNvSpPr txBox="1"/>
+          <p:nvPr/>
+        </p:nvSpPr>
+        <p:spPr>
+          <a:xfrm>
+            <a:off x="838200" y="1767623"/>
+            <a:ext cx="10515599" cy="523220"/>
+          </a:xfrm>
+          <a:prstGeom prst="rect">
+            <a:avLst/>
+          </a:prstGeom>
+          <a:noFill/>
+        </p:spPr>
+        <p:txBody>
+          <a:bodyPr wrap="square">
+            <a:spAutoFit/>
+          </a:bodyPr>
+          <a:lstStyle/>
+          <a:p>
+            <a:r>
+              <a:rPr lang="en-US" sz="2800" dirty="0"/>
+              <a:t> </a:t>
+            </a:r>
+          </a:p>
+        </p:txBody>
+      </p:sp>
+      <p:sp>
+        <p:nvSpPr>
+          <p:cNvPr id="6" name="TextBox 5">
+            <a:extLst>
+              <a:ext uri="{FF2B5EF4-FFF2-40B4-BE49-F238E27FC236}">
+                <a16:creationId xmlns:a16="http://schemas.microsoft.com/office/drawing/2014/main" id="{AFDF9852-FAB7-8365-9D32-EC2FE5D3DBA0}"/>
+              </a:ext>
+            </a:extLst>
+          </p:cNvPr>
+          <p:cNvSpPr txBox="1"/>
+          <p:nvPr/>
+        </p:nvSpPr>
+        <p:spPr>
+          <a:xfrm>
+            <a:off x="838200" y="1651820"/>
+            <a:ext cx="10515599" cy="954107"/>
+          </a:xfrm>
+          <a:prstGeom prst="rect">
+            <a:avLst/>
+          </a:prstGeom>
+          <a:noFill/>
+        </p:spPr>
+        <p:txBody>
+          <a:bodyPr wrap="square">
+            <a:spAutoFit/>
+          </a:bodyPr>
+          <a:lstStyle/>
+          <a:p>
+            <a:r>
+              <a:rPr lang="en-US" sz="2800" dirty="0"/>
+              <a:t>How to compute the distance between two clusters?</a:t>
+            </a:r>
+          </a:p>
+          <a:p>
+            <a:endParaRPr lang="en-US" sz="2800" dirty="0"/>
+          </a:p>
+        </p:txBody>
+      </p:sp>
+      <p:sp>
+        <p:nvSpPr>
+          <p:cNvPr id="3" name="TextBox 2">
+            <a:extLst>
+              <a:ext uri="{FF2B5EF4-FFF2-40B4-BE49-F238E27FC236}">
+                <a16:creationId xmlns:a16="http://schemas.microsoft.com/office/drawing/2014/main" id="{65657159-5EE9-0BF0-0F30-417BF9D66141}"/>
+              </a:ext>
+            </a:extLst>
+          </p:cNvPr>
+          <p:cNvSpPr txBox="1"/>
+          <p:nvPr/>
+        </p:nvSpPr>
+        <p:spPr>
+          <a:xfrm>
+            <a:off x="838199" y="2605927"/>
+            <a:ext cx="10515599" cy="954107"/>
+          </a:xfrm>
+          <a:prstGeom prst="rect">
+            <a:avLst/>
+          </a:prstGeom>
+          <a:noFill/>
+        </p:spPr>
+        <p:txBody>
+          <a:bodyPr wrap="square">
+            <a:spAutoFit/>
+          </a:bodyPr>
+          <a:lstStyle/>
+          <a:p>
+            <a:r>
+              <a:rPr lang="en-US" sz="2800" dirty="0"/>
+              <a:t>Minimum distance</a:t>
+            </a:r>
+          </a:p>
+          <a:p>
+            <a:endParaRPr lang="en-US" sz="2800" dirty="0"/>
+          </a:p>
+        </p:txBody>
+      </p:sp>
+      <p:sp>
+        <p:nvSpPr>
+          <p:cNvPr id="4" name="TextBox 3">
+            <a:extLst>
+              <a:ext uri="{FF2B5EF4-FFF2-40B4-BE49-F238E27FC236}">
+                <a16:creationId xmlns:a16="http://schemas.microsoft.com/office/drawing/2014/main" id="{E8D9B870-EBF5-711C-B328-3CBFBBD34CC5}"/>
+              </a:ext>
+            </a:extLst>
+          </p:cNvPr>
+          <p:cNvSpPr txBox="1"/>
+          <p:nvPr/>
+        </p:nvSpPr>
+        <p:spPr>
+          <a:xfrm>
+            <a:off x="838199" y="3549750"/>
+            <a:ext cx="10515599" cy="954107"/>
+          </a:xfrm>
+          <a:prstGeom prst="rect">
+            <a:avLst/>
+          </a:prstGeom>
+          <a:noFill/>
+        </p:spPr>
+        <p:txBody>
+          <a:bodyPr wrap="square">
+            <a:spAutoFit/>
+          </a:bodyPr>
+          <a:lstStyle/>
+          <a:p>
+            <a:r>
+              <a:rPr lang="en-US" sz="2800" dirty="0"/>
+              <a:t>Maximum distance</a:t>
+            </a:r>
+          </a:p>
+          <a:p>
+            <a:endParaRPr lang="en-US" sz="2800" dirty="0"/>
+          </a:p>
+        </p:txBody>
+      </p:sp>
+      <p:sp>
+        <p:nvSpPr>
+          <p:cNvPr id="5" name="TextBox 4">
+            <a:extLst>
+              <a:ext uri="{FF2B5EF4-FFF2-40B4-BE49-F238E27FC236}">
+                <a16:creationId xmlns:a16="http://schemas.microsoft.com/office/drawing/2014/main" id="{F83E3C2C-325C-539C-2CA6-5200C0118B35}"/>
+              </a:ext>
+            </a:extLst>
+          </p:cNvPr>
+          <p:cNvSpPr txBox="1"/>
+          <p:nvPr/>
+        </p:nvSpPr>
+        <p:spPr>
+          <a:xfrm>
+            <a:off x="838199" y="4514141"/>
+            <a:ext cx="10515599" cy="954107"/>
+          </a:xfrm>
+          <a:prstGeom prst="rect">
+            <a:avLst/>
+          </a:prstGeom>
+          <a:noFill/>
+        </p:spPr>
+        <p:txBody>
+          <a:bodyPr wrap="square">
+            <a:spAutoFit/>
+          </a:bodyPr>
+          <a:lstStyle/>
+          <a:p>
+            <a:r>
+              <a:rPr lang="en-US" sz="2800"/>
+              <a:t>Average </a:t>
+            </a:r>
+            <a:r>
+              <a:rPr lang="en-US" sz="2800" dirty="0"/>
+              <a:t>distance</a:t>
+            </a:r>
+          </a:p>
+          <a:p>
+            <a:endParaRPr lang="en-US" sz="2800" dirty="0"/>
+          </a:p>
+        </p:txBody>
+      </p:sp>
+    </p:spTree>
+    <p:extLst>
+      <p:ext uri="{BB962C8B-B14F-4D97-AF65-F5344CB8AC3E}">
+        <p14:creationId xmlns:p14="http://schemas.microsoft.com/office/powerpoint/2010/main" val="871455803"/>
+      </p:ext>
+    </p:extLst>
+  </p:cSld>
+  <p:clrMapOvr>
+    <a:masterClrMapping/>
+  </p:clrMapOvr>
+</p:sld>
+</file>
+
+<file path=ppt/slides/slide18.xml><?xml version="1.0" encoding="utf-8"?>
+<p:sld xmlns:a="http://schemas.openxmlformats.org/drawingml/2006/main" xmlns:r="http://schemas.openxmlformats.org/officeDocument/2006/relationships" xmlns:p="http://schemas.openxmlformats.org/presentationml/2006/main">
+  <p:cSld>
+    <p:spTree>
+      <p:nvGrpSpPr>
+        <p:cNvPr id="1" name=""/>
+        <p:cNvGrpSpPr/>
+        <p:nvPr/>
+      </p:nvGrpSpPr>
+      <p:grpSpPr>
+        <a:xfrm>
+          <a:off x="0" y="0"/>
+          <a:ext cx="0" cy="0"/>
+          <a:chOff x="0" y="0"/>
+          <a:chExt cx="0" cy="0"/>
+        </a:xfrm>
+      </p:grpSpPr>
+      <p:sp>
+        <p:nvSpPr>
+          <p:cNvPr id="2" name="Title 1">
+            <a:extLst>
+              <a:ext uri="{FF2B5EF4-FFF2-40B4-BE49-F238E27FC236}">
+                <a16:creationId xmlns:a16="http://schemas.microsoft.com/office/drawing/2014/main" id="{071A5F3D-E409-40EE-2F2B-102454973604}"/>
+              </a:ext>
+            </a:extLst>
+          </p:cNvPr>
+          <p:cNvSpPr>
+            <a:spLocks noGrp="1"/>
+          </p:cNvSpPr>
+          <p:nvPr>
+            <p:ph type="title"/>
+          </p:nvPr>
+        </p:nvSpPr>
+        <p:spPr>
+          <a:xfrm>
+            <a:off x="838200" y="365126"/>
+            <a:ext cx="10515600" cy="981894"/>
+          </a:xfrm>
+        </p:spPr>
+        <p:txBody>
+          <a:bodyPr>
+            <a:normAutofit/>
+          </a:bodyPr>
+          <a:lstStyle/>
+          <a:p>
+            <a:r>
+              <a:rPr lang="en-US" dirty="0"/>
               <a:t>Hierarchical Clustering (Number of Clusters)</a:t>
             </a:r>
           </a:p>
@@ -7262,8 +7608,8 @@
           </a:p>
         </p:txBody>
       </p:sp>
-      <mc:AlternateContent xmlns:mc="http://schemas.openxmlformats.org/markup-compatibility/2006">
-        <mc:Choice xmlns:a14="http://schemas.microsoft.com/office/drawing/2010/main" Requires="a14">
+      <mc:AlternateContent xmlns:mc="http://schemas.openxmlformats.org/markup-compatibility/2006" xmlns:a14="http://schemas.microsoft.com/office/drawing/2010/main">
+        <mc:Choice Requires="a14">
           <p:sp>
             <p:nvSpPr>
               <p:cNvPr id="8" name="TextBox 7">
@@ -7336,7 +7682,7 @@
             </p:txBody>
           </p:sp>
         </mc:Choice>
-        <mc:Fallback>
+        <mc:Fallback xmlns="">
           <p:sp>
             <p:nvSpPr>
               <p:cNvPr id="8" name="TextBox 7">
@@ -7381,8 +7727,8 @@
           </p:sp>
         </mc:Fallback>
       </mc:AlternateContent>
-      <mc:AlternateContent xmlns:mc="http://schemas.openxmlformats.org/markup-compatibility/2006">
-        <mc:Choice xmlns:a14="http://schemas.microsoft.com/office/drawing/2010/main" Requires="a14">
+      <mc:AlternateContent xmlns:mc="http://schemas.openxmlformats.org/markup-compatibility/2006" xmlns:a14="http://schemas.microsoft.com/office/drawing/2010/main">
+        <mc:Choice Requires="a14">
           <p:sp>
             <p:nvSpPr>
               <p:cNvPr id="10" name="TextBox 9">
@@ -7428,7 +7774,7 @@
                     <m:sSub>
                       <m:sSubPr>
                         <m:ctrlPr>
-                          <a:rPr lang="en-US" sz="2800" b="0" smtClean="0">
+                          <a:rPr lang="en-US" sz="2800" b="0" i="1" smtClean="0">
                             <a:latin typeface="Cambria Math" panose="02040503050406030204" pitchFamily="18" charset="0"/>
                           </a:rPr>
                         </m:ctrlPr>
@@ -7464,7 +7810,7 @@
             </p:txBody>
           </p:sp>
         </mc:Choice>
-        <mc:Fallback>
+        <mc:Fallback xmlns="">
           <p:sp>
             <p:nvSpPr>
               <p:cNvPr id="10" name="TextBox 9">

--- a/_umkc-teaching/slides/Lecture12.pptx
+++ b/_umkc-teaching/slides/Lecture12.pptx
@@ -5,7 +5,7 @@
     <p:sldMasterId id="2147483660" r:id="rId1"/>
   </p:sldMasterIdLst>
   <p:notesMasterIdLst>
-    <p:notesMasterId r:id="rId20"/>
+    <p:notesMasterId r:id="rId21"/>
   </p:notesMasterIdLst>
   <p:sldIdLst>
     <p:sldId id="257" r:id="rId2"/>
@@ -26,6 +26,7 @@
     <p:sldId id="450" r:id="rId17"/>
     <p:sldId id="452" r:id="rId18"/>
     <p:sldId id="451" r:id="rId19"/>
+    <p:sldId id="453" r:id="rId20"/>
   </p:sldIdLst>
   <p:sldSz cx="12192000" cy="6858000"/>
   <p:notesSz cx="6858000" cy="9144000"/>
@@ -214,7 +215,7 @@
           <a:p>
             <a:fld id="{7AF9442D-9D7C-40D7-A5A3-649EA8C158D2}" type="datetimeFigureOut">
               <a:rPr lang="en-US" smtClean="0"/>
-              <a:t>11/5/23</a:t>
+              <a:t>11/6/23</a:t>
             </a:fld>
             <a:endParaRPr lang="en-US"/>
           </a:p>
@@ -1282,6 +1283,95 @@
 </p:notes>
 </file>
 
+<file path=ppt/notesSlides/notesSlide18.xml><?xml version="1.0" encoding="utf-8"?>
+<p:notes xmlns:a="http://schemas.openxmlformats.org/drawingml/2006/main" xmlns:r="http://schemas.openxmlformats.org/officeDocument/2006/relationships" xmlns:p="http://schemas.openxmlformats.org/presentationml/2006/main">
+  <p:cSld>
+    <p:spTree>
+      <p:nvGrpSpPr>
+        <p:cNvPr id="1" name=""/>
+        <p:cNvGrpSpPr/>
+        <p:nvPr/>
+      </p:nvGrpSpPr>
+      <p:grpSpPr>
+        <a:xfrm>
+          <a:off x="0" y="0"/>
+          <a:ext cx="0" cy="0"/>
+          <a:chOff x="0" y="0"/>
+          <a:chExt cx="0" cy="0"/>
+        </a:xfrm>
+      </p:grpSpPr>
+      <p:sp>
+        <p:nvSpPr>
+          <p:cNvPr id="2" name="Slide Image Placeholder 1"/>
+          <p:cNvSpPr>
+            <a:spLocks noGrp="1" noRot="1" noChangeAspect="1"/>
+          </p:cNvSpPr>
+          <p:nvPr>
+            <p:ph type="sldImg"/>
+          </p:nvPr>
+        </p:nvSpPr>
+        <p:spPr>
+          <a:xfrm>
+            <a:off x="685800" y="1143000"/>
+            <a:ext cx="5486400" cy="3086100"/>
+          </a:xfrm>
+        </p:spPr>
+      </p:sp>
+      <p:sp>
+        <p:nvSpPr>
+          <p:cNvPr id="3" name="Notes Placeholder 2"/>
+          <p:cNvSpPr>
+            <a:spLocks noGrp="1"/>
+          </p:cNvSpPr>
+          <p:nvPr>
+            <p:ph type="body" idx="1"/>
+          </p:nvPr>
+        </p:nvSpPr>
+        <p:spPr/>
+        <p:txBody>
+          <a:bodyPr/>
+          <a:lstStyle/>
+          <a:p>
+            <a:endParaRPr lang="en-US" dirty="0"/>
+          </a:p>
+        </p:txBody>
+      </p:sp>
+      <p:sp>
+        <p:nvSpPr>
+          <p:cNvPr id="4" name="Slide Number Placeholder 3"/>
+          <p:cNvSpPr>
+            <a:spLocks noGrp="1"/>
+          </p:cNvSpPr>
+          <p:nvPr>
+            <p:ph type="sldNum" sz="quarter" idx="5"/>
+          </p:nvPr>
+        </p:nvSpPr>
+        <p:spPr/>
+        <p:txBody>
+          <a:bodyPr/>
+          <a:lstStyle/>
+          <a:p>
+            <a:fld id="{3F8BDF20-BE86-4883-8A23-4CE3D0058BEA}" type="slidenum">
+              <a:rPr lang="en-US" smtClean="0"/>
+              <a:t>19</a:t>
+            </a:fld>
+            <a:endParaRPr lang="en-US"/>
+          </a:p>
+        </p:txBody>
+      </p:sp>
+    </p:spTree>
+    <p:extLst>
+      <p:ext uri="{BB962C8B-B14F-4D97-AF65-F5344CB8AC3E}">
+        <p14:creationId xmlns:p14="http://schemas.microsoft.com/office/powerpoint/2010/main" val="2967716450"/>
+      </p:ext>
+    </p:extLst>
+  </p:cSld>
+  <p:clrMapOvr>
+    <a:masterClrMapping/>
+  </p:clrMapOvr>
+</p:notes>
+</file>
+
 <file path=ppt/notesSlides/notesSlide2.xml><?xml version="1.0" encoding="utf-8"?>
 <p:notes xmlns:a="http://schemas.openxmlformats.org/drawingml/2006/main" xmlns:r="http://schemas.openxmlformats.org/officeDocument/2006/relationships" xmlns:p="http://schemas.openxmlformats.org/presentationml/2006/main">
   <p:cSld>
@@ -2125,7 +2215,7 @@
           <a:p>
             <a:fld id="{41748473-9145-41F0-ADB9-654A949CD218}" type="datetimeFigureOut">
               <a:rPr lang="en-US" smtClean="0"/>
-              <a:t>11/5/23</a:t>
+              <a:t>11/6/23</a:t>
             </a:fld>
             <a:endParaRPr lang="en-US"/>
           </a:p>
@@ -2295,7 +2385,7 @@
           <a:p>
             <a:fld id="{41748473-9145-41F0-ADB9-654A949CD218}" type="datetimeFigureOut">
               <a:rPr lang="en-US" smtClean="0"/>
-              <a:t>11/5/23</a:t>
+              <a:t>11/6/23</a:t>
             </a:fld>
             <a:endParaRPr lang="en-US"/>
           </a:p>
@@ -2475,7 +2565,7 @@
           <a:p>
             <a:fld id="{41748473-9145-41F0-ADB9-654A949CD218}" type="datetimeFigureOut">
               <a:rPr lang="en-US" smtClean="0"/>
-              <a:t>11/5/23</a:t>
+              <a:t>11/6/23</a:t>
             </a:fld>
             <a:endParaRPr lang="en-US"/>
           </a:p>
@@ -2645,7 +2735,7 @@
           <a:p>
             <a:fld id="{41748473-9145-41F0-ADB9-654A949CD218}" type="datetimeFigureOut">
               <a:rPr lang="en-US" smtClean="0"/>
-              <a:t>11/5/23</a:t>
+              <a:t>11/6/23</a:t>
             </a:fld>
             <a:endParaRPr lang="en-US"/>
           </a:p>
@@ -2891,7 +2981,7 @@
           <a:p>
             <a:fld id="{41748473-9145-41F0-ADB9-654A949CD218}" type="datetimeFigureOut">
               <a:rPr lang="en-US" smtClean="0"/>
-              <a:t>11/5/23</a:t>
+              <a:t>11/6/23</a:t>
             </a:fld>
             <a:endParaRPr lang="en-US"/>
           </a:p>
@@ -3123,7 +3213,7 @@
           <a:p>
             <a:fld id="{41748473-9145-41F0-ADB9-654A949CD218}" type="datetimeFigureOut">
               <a:rPr lang="en-US" smtClean="0"/>
-              <a:t>11/5/23</a:t>
+              <a:t>11/6/23</a:t>
             </a:fld>
             <a:endParaRPr lang="en-US"/>
           </a:p>
@@ -3490,7 +3580,7 @@
           <a:p>
             <a:fld id="{41748473-9145-41F0-ADB9-654A949CD218}" type="datetimeFigureOut">
               <a:rPr lang="en-US" smtClean="0"/>
-              <a:t>11/5/23</a:t>
+              <a:t>11/6/23</a:t>
             </a:fld>
             <a:endParaRPr lang="en-US"/>
           </a:p>
@@ -3608,7 +3698,7 @@
           <a:p>
             <a:fld id="{41748473-9145-41F0-ADB9-654A949CD218}" type="datetimeFigureOut">
               <a:rPr lang="en-US" smtClean="0"/>
-              <a:t>11/5/23</a:t>
+              <a:t>11/6/23</a:t>
             </a:fld>
             <a:endParaRPr lang="en-US"/>
           </a:p>
@@ -3703,7 +3793,7 @@
           <a:p>
             <a:fld id="{41748473-9145-41F0-ADB9-654A949CD218}" type="datetimeFigureOut">
               <a:rPr lang="en-US" smtClean="0"/>
-              <a:t>11/5/23</a:t>
+              <a:t>11/6/23</a:t>
             </a:fld>
             <a:endParaRPr lang="en-US"/>
           </a:p>
@@ -3980,7 +4070,7 @@
           <a:p>
             <a:fld id="{41748473-9145-41F0-ADB9-654A949CD218}" type="datetimeFigureOut">
               <a:rPr lang="en-US" smtClean="0"/>
-              <a:t>11/5/23</a:t>
+              <a:t>11/6/23</a:t>
             </a:fld>
             <a:endParaRPr lang="en-US"/>
           </a:p>
@@ -4237,7 +4327,7 @@
           <a:p>
             <a:fld id="{41748473-9145-41F0-ADB9-654A949CD218}" type="datetimeFigureOut">
               <a:rPr lang="en-US" smtClean="0"/>
-              <a:t>11/5/23</a:t>
+              <a:t>11/6/23</a:t>
             </a:fld>
             <a:endParaRPr lang="en-US"/>
           </a:p>
@@ -4450,7 +4540,7 @@
           <a:p>
             <a:fld id="{41748473-9145-41F0-ADB9-654A949CD218}" type="datetimeFigureOut">
               <a:rPr lang="en-US" smtClean="0"/>
-              <a:t>11/5/23</a:t>
+              <a:t>11/6/23</a:t>
             </a:fld>
             <a:endParaRPr lang="en-US"/>
           </a:p>
@@ -6742,6 +6832,197 @@
     <p:extLst>
       <p:ext uri="{BB962C8B-B14F-4D97-AF65-F5344CB8AC3E}">
         <p14:creationId xmlns:p14="http://schemas.microsoft.com/office/powerpoint/2010/main" val="2573639031"/>
+      </p:ext>
+    </p:extLst>
+  </p:cSld>
+  <p:clrMapOvr>
+    <a:masterClrMapping/>
+  </p:clrMapOvr>
+</p:sld>
+</file>
+
+<file path=ppt/slides/slide19.xml><?xml version="1.0" encoding="utf-8"?>
+<p:sld xmlns:a="http://schemas.openxmlformats.org/drawingml/2006/main" xmlns:r="http://schemas.openxmlformats.org/officeDocument/2006/relationships" xmlns:p="http://schemas.openxmlformats.org/presentationml/2006/main">
+  <p:cSld>
+    <p:spTree>
+      <p:nvGrpSpPr>
+        <p:cNvPr id="1" name=""/>
+        <p:cNvGrpSpPr/>
+        <p:nvPr/>
+      </p:nvGrpSpPr>
+      <p:grpSpPr>
+        <a:xfrm>
+          <a:off x="0" y="0"/>
+          <a:ext cx="0" cy="0"/>
+          <a:chOff x="0" y="0"/>
+          <a:chExt cx="0" cy="0"/>
+        </a:xfrm>
+      </p:grpSpPr>
+      <p:sp>
+        <p:nvSpPr>
+          <p:cNvPr id="2" name="Title 1">
+            <a:extLst>
+              <a:ext uri="{FF2B5EF4-FFF2-40B4-BE49-F238E27FC236}">
+                <a16:creationId xmlns:a16="http://schemas.microsoft.com/office/drawing/2014/main" id="{071A5F3D-E409-40EE-2F2B-102454973604}"/>
+              </a:ext>
+            </a:extLst>
+          </p:cNvPr>
+          <p:cNvSpPr>
+            <a:spLocks noGrp="1"/>
+          </p:cNvSpPr>
+          <p:nvPr>
+            <p:ph type="title"/>
+          </p:nvPr>
+        </p:nvSpPr>
+        <p:spPr>
+          <a:xfrm>
+            <a:off x="838200" y="365126"/>
+            <a:ext cx="10515600" cy="981894"/>
+          </a:xfrm>
+        </p:spPr>
+        <p:txBody>
+          <a:bodyPr>
+            <a:normAutofit/>
+          </a:bodyPr>
+          <a:lstStyle/>
+          <a:p>
+            <a:r>
+              <a:rPr lang="en-US" dirty="0"/>
+              <a:t>NIH NRT GRA </a:t>
+            </a:r>
+            <a:r>
+              <a:rPr lang="en-US" dirty="0" err="1"/>
+              <a:t>Oppotunites</a:t>
+            </a:r>
+            <a:endParaRPr lang="en-US" dirty="0"/>
+          </a:p>
+        </p:txBody>
+      </p:sp>
+      <p:sp>
+        <p:nvSpPr>
+          <p:cNvPr id="8" name="TextBox 7">
+            <a:extLst>
+              <a:ext uri="{FF2B5EF4-FFF2-40B4-BE49-F238E27FC236}">
+                <a16:creationId xmlns:a16="http://schemas.microsoft.com/office/drawing/2014/main" id="{FED859EA-0173-EF06-B50F-912C04526B8E}"/>
+              </a:ext>
+            </a:extLst>
+          </p:cNvPr>
+          <p:cNvSpPr txBox="1"/>
+          <p:nvPr/>
+        </p:nvSpPr>
+        <p:spPr>
+          <a:xfrm>
+            <a:off x="838200" y="1767623"/>
+            <a:ext cx="10515599" cy="3539430"/>
+          </a:xfrm>
+          <a:prstGeom prst="rect">
+            <a:avLst/>
+          </a:prstGeom>
+          <a:noFill/>
+        </p:spPr>
+        <p:txBody>
+          <a:bodyPr wrap="square">
+            <a:spAutoFit/>
+          </a:bodyPr>
+          <a:lstStyle/>
+          <a:p>
+            <a:r>
+              <a:rPr lang="en-US" sz="2800" dirty="0">
+                <a:latin typeface="+mn-lt"/>
+              </a:rPr>
+              <a:t>NSF NRT-AI: Interdisciplinary Graduate Training Through Research in Artificial Intelligence and Secure Networked Sensing to Mitigate the Crisis of Alcohol and Drug Abuse</a:t>
+            </a:r>
+          </a:p>
+          <a:p>
+            <a:endParaRPr lang="en-US" sz="2800" dirty="0"/>
+          </a:p>
+          <a:p>
+            <a:r>
+              <a:rPr lang="en-US" sz="2800" dirty="0">
+                <a:solidFill>
+                  <a:srgbClr val="333333"/>
+                </a:solidFill>
+                <a:effectLst/>
+                <a:latin typeface="+mn-lt"/>
+                <a:ea typeface="Calibri" panose="020F0502020204030204" pitchFamily="34" charset="0"/>
+                <a:cs typeface="Calibri" panose="020F0502020204030204" pitchFamily="34" charset="0"/>
+              </a:rPr>
+              <a:t>1-2 years of fellowship support (12-month stipend of </a:t>
+            </a:r>
+            <a:r>
+              <a:rPr lang="en-US" sz="2800" b="1" dirty="0">
+                <a:solidFill>
+                  <a:srgbClr val="C00000"/>
+                </a:solidFill>
+                <a:effectLst/>
+                <a:latin typeface="+mn-lt"/>
+                <a:ea typeface="Calibri" panose="020F0502020204030204" pitchFamily="34" charset="0"/>
+                <a:cs typeface="Calibri" panose="020F0502020204030204" pitchFamily="34" charset="0"/>
+              </a:rPr>
+              <a:t>$34,000 plus tuition remission</a:t>
+            </a:r>
+            <a:r>
+              <a:rPr lang="en-US" sz="2800" dirty="0">
+                <a:solidFill>
+                  <a:srgbClr val="333333"/>
+                </a:solidFill>
+                <a:effectLst/>
+                <a:latin typeface="+mn-lt"/>
+                <a:ea typeface="Calibri" panose="020F0502020204030204" pitchFamily="34" charset="0"/>
+                <a:cs typeface="Calibri" panose="020F0502020204030204" pitchFamily="34" charset="0"/>
+              </a:rPr>
+              <a:t>).</a:t>
+            </a:r>
+            <a:endParaRPr lang="en-US" sz="2800" dirty="0">
+              <a:effectLst/>
+              <a:latin typeface="+mn-lt"/>
+              <a:ea typeface="Calibri" panose="020F0502020204030204" pitchFamily="34" charset="0"/>
+              <a:cs typeface="Times New Roman" panose="02020603050405020304" pitchFamily="18" charset="0"/>
+            </a:endParaRPr>
+          </a:p>
+          <a:p>
+            <a:endParaRPr lang="en-US" sz="2800" dirty="0">
+              <a:latin typeface="+mn-lt"/>
+            </a:endParaRPr>
+          </a:p>
+          <a:p>
+            <a:r>
+              <a:rPr lang="en-US" sz="2800" b="1">
+                <a:solidFill>
+                  <a:srgbClr val="C00000"/>
+                </a:solidFill>
+                <a:effectLst/>
+                <a:latin typeface="+mn-lt"/>
+                <a:ea typeface="Calibri" panose="020F0502020204030204" pitchFamily="34" charset="0"/>
+                <a:cs typeface="Calibri" panose="020F0502020204030204" pitchFamily="34" charset="0"/>
+              </a:rPr>
+              <a:t>US citizenship or permanent residency</a:t>
+            </a:r>
+            <a:r>
+              <a:rPr lang="en-US" sz="2800">
+                <a:solidFill>
+                  <a:srgbClr val="333333"/>
+                </a:solidFill>
+                <a:effectLst/>
+                <a:latin typeface="+mn-lt"/>
+                <a:ea typeface="Calibri" panose="020F0502020204030204" pitchFamily="34" charset="0"/>
+                <a:cs typeface="Calibri" panose="020F0502020204030204" pitchFamily="34" charset="0"/>
+              </a:rPr>
+              <a:t>.</a:t>
+            </a:r>
+            <a:endParaRPr lang="en-US" sz="2800">
+              <a:effectLst/>
+              <a:latin typeface="+mn-lt"/>
+              <a:ea typeface="Calibri" panose="020F0502020204030204" pitchFamily="34" charset="0"/>
+              <a:cs typeface="Times New Roman" panose="02020603050405020304" pitchFamily="18" charset="0"/>
+            </a:endParaRPr>
+          </a:p>
+        </p:txBody>
+      </p:sp>
+    </p:spTree>
+    <p:extLst>
+      <p:ext uri="{BB962C8B-B14F-4D97-AF65-F5344CB8AC3E}">
+        <p14:creationId xmlns:p14="http://schemas.microsoft.com/office/powerpoint/2010/main" val="77011069"/>
       </p:ext>
     </p:extLst>
   </p:cSld>
